--- a/presentation/bb.pptx
+++ b/presentation/bb.pptx
@@ -259,7 +259,7 @@
           <a:p>
             <a:fld id="{C6E8B002-83F0-41C5-A7B7-2819A96BD9B2}" type="datetimeFigureOut">
               <a:rPr lang="hu-HU" smtClean="0"/>
-              <a:t>2016.09.29.</a:t>
+              <a:t>2016.10.05.</a:t>
             </a:fld>
             <a:endParaRPr lang="hu-HU"/>
           </a:p>
@@ -429,7 +429,7 @@
           <a:p>
             <a:fld id="{C6E8B002-83F0-41C5-A7B7-2819A96BD9B2}" type="datetimeFigureOut">
               <a:rPr lang="hu-HU" smtClean="0"/>
-              <a:t>2016.09.29.</a:t>
+              <a:t>2016.10.05.</a:t>
             </a:fld>
             <a:endParaRPr lang="hu-HU"/>
           </a:p>
@@ -609,7 +609,7 @@
           <a:p>
             <a:fld id="{C6E8B002-83F0-41C5-A7B7-2819A96BD9B2}" type="datetimeFigureOut">
               <a:rPr lang="hu-HU" smtClean="0"/>
-              <a:t>2016.09.29.</a:t>
+              <a:t>2016.10.05.</a:t>
             </a:fld>
             <a:endParaRPr lang="hu-HU"/>
           </a:p>
@@ -779,7 +779,7 @@
           <a:p>
             <a:fld id="{C6E8B002-83F0-41C5-A7B7-2819A96BD9B2}" type="datetimeFigureOut">
               <a:rPr lang="hu-HU" smtClean="0"/>
-              <a:t>2016.09.29.</a:t>
+              <a:t>2016.10.05.</a:t>
             </a:fld>
             <a:endParaRPr lang="hu-HU"/>
           </a:p>
@@ -1023,7 +1023,7 @@
           <a:p>
             <a:fld id="{C6E8B002-83F0-41C5-A7B7-2819A96BD9B2}" type="datetimeFigureOut">
               <a:rPr lang="hu-HU" smtClean="0"/>
-              <a:t>2016.09.29.</a:t>
+              <a:t>2016.10.05.</a:t>
             </a:fld>
             <a:endParaRPr lang="hu-HU"/>
           </a:p>
@@ -1255,7 +1255,7 @@
           <a:p>
             <a:fld id="{C6E8B002-83F0-41C5-A7B7-2819A96BD9B2}" type="datetimeFigureOut">
               <a:rPr lang="hu-HU" smtClean="0"/>
-              <a:t>2016.09.29.</a:t>
+              <a:t>2016.10.05.</a:t>
             </a:fld>
             <a:endParaRPr lang="hu-HU"/>
           </a:p>
@@ -1622,7 +1622,7 @@
           <a:p>
             <a:fld id="{C6E8B002-83F0-41C5-A7B7-2819A96BD9B2}" type="datetimeFigureOut">
               <a:rPr lang="hu-HU" smtClean="0"/>
-              <a:t>2016.09.29.</a:t>
+              <a:t>2016.10.05.</a:t>
             </a:fld>
             <a:endParaRPr lang="hu-HU"/>
           </a:p>
@@ -1740,7 +1740,7 @@
           <a:p>
             <a:fld id="{C6E8B002-83F0-41C5-A7B7-2819A96BD9B2}" type="datetimeFigureOut">
               <a:rPr lang="hu-HU" smtClean="0"/>
-              <a:t>2016.09.29.</a:t>
+              <a:t>2016.10.05.</a:t>
             </a:fld>
             <a:endParaRPr lang="hu-HU"/>
           </a:p>
@@ -1835,7 +1835,7 @@
           <a:p>
             <a:fld id="{C6E8B002-83F0-41C5-A7B7-2819A96BD9B2}" type="datetimeFigureOut">
               <a:rPr lang="hu-HU" smtClean="0"/>
-              <a:t>2016.09.29.</a:t>
+              <a:t>2016.10.05.</a:t>
             </a:fld>
             <a:endParaRPr lang="hu-HU"/>
           </a:p>
@@ -2112,7 +2112,7 @@
           <a:p>
             <a:fld id="{C6E8B002-83F0-41C5-A7B7-2819A96BD9B2}" type="datetimeFigureOut">
               <a:rPr lang="hu-HU" smtClean="0"/>
-              <a:t>2016.09.29.</a:t>
+              <a:t>2016.10.05.</a:t>
             </a:fld>
             <a:endParaRPr lang="hu-HU"/>
           </a:p>
@@ -2369,7 +2369,7 @@
           <a:p>
             <a:fld id="{C6E8B002-83F0-41C5-A7B7-2819A96BD9B2}" type="datetimeFigureOut">
               <a:rPr lang="hu-HU" smtClean="0"/>
-              <a:t>2016.09.29.</a:t>
+              <a:t>2016.10.05.</a:t>
             </a:fld>
             <a:endParaRPr lang="hu-HU"/>
           </a:p>
@@ -2589,7 +2589,7 @@
           <a:p>
             <a:fld id="{C6E8B002-83F0-41C5-A7B7-2819A96BD9B2}" type="datetimeFigureOut">
               <a:rPr lang="hu-HU" smtClean="0"/>
-              <a:t>2016.09.29.</a:t>
+              <a:t>2016.10.05.</a:t>
             </a:fld>
             <a:endParaRPr lang="hu-HU"/>
           </a:p>
@@ -3242,8 +3242,13 @@
           <a:p>
             <a:r>
               <a:rPr lang="hu-HU" dirty="0" smtClean="0"/>
-              <a:t>Üzenetküldés megoldása</a:t>
-            </a:r>
+              <a:t>Üzenetküldés </a:t>
+            </a:r>
+            <a:r>
+              <a:rPr lang="hu-HU" dirty="0" smtClean="0"/>
+              <a:t>megvalósítása</a:t>
+            </a:r>
+            <a:endParaRPr lang="hu-HU" dirty="0" smtClean="0"/>
           </a:p>
           <a:p>
             <a:endParaRPr lang="hu-HU" dirty="0" smtClean="0"/>
@@ -3327,7 +3332,9 @@
           </a:xfrm>
         </p:spPr>
         <p:txBody>
-          <a:bodyPr/>
+          <a:bodyPr>
+            <a:normAutofit fontScale="85000" lnSpcReduction="20000"/>
+          </a:bodyPr>
           <a:lstStyle/>
           <a:p>
             <a:pPr marL="0" indent="0">
@@ -3362,7 +3369,17 @@
             </a:r>
             <a:r>
               <a:rPr lang="hu-HU" dirty="0" smtClean="0"/>
-              <a:t> kezelése</a:t>
+              <a:t> </a:t>
+            </a:r>
+            <a:r>
+              <a:rPr lang="hu-HU" dirty="0" smtClean="0"/>
+              <a:t>kezelése</a:t>
+            </a:r>
+          </a:p>
+          <a:p>
+            <a:r>
+              <a:rPr lang="hu-HU" dirty="0" smtClean="0"/>
+              <a:t>Generált jelszó küldése a felhasználónak</a:t>
             </a:r>
             <a:endParaRPr lang="hu-HU" dirty="0"/>
           </a:p>
@@ -4070,12 +4087,9 @@
 </file>
 
 <file path=customXml/item1.xml><?xml version="1.0" encoding="utf-8"?>
-<?mso-contentType ?>
-<FormTemplates xmlns="http://schemas.microsoft.com/sharepoint/v3/contenttype/forms">
-  <Display>DocumentLibraryForm</Display>
-  <Edit>DocumentLibraryForm</Edit>
-  <New>DocumentLibraryForm</New>
-</FormTemplates>
+<p:properties xmlns:p="http://schemas.microsoft.com/office/2006/metadata/properties" xmlns:xsi="http://www.w3.org/2001/XMLSchema-instance" xmlns:pc="http://schemas.microsoft.com/office/infopath/2007/PartnerControls">
+  <documentManagement/>
+</p:properties>
 </file>
 
 <file path=customXml/item2.xml><?xml version="1.0" encoding="utf-8"?>
@@ -4227,15 +4241,19 @@
 </file>
 
 <file path=customXml/item3.xml><?xml version="1.0" encoding="utf-8"?>
-<p:properties xmlns:p="http://schemas.microsoft.com/office/2006/metadata/properties" xmlns:xsi="http://www.w3.org/2001/XMLSchema-instance" xmlns:pc="http://schemas.microsoft.com/office/infopath/2007/PartnerControls">
-  <documentManagement/>
-</p:properties>
+<?mso-contentType ?>
+<FormTemplates xmlns="http://schemas.microsoft.com/sharepoint/v3/contenttype/forms">
+  <Display>DocumentLibraryForm</Display>
+  <Edit>DocumentLibraryForm</Edit>
+  <New>DocumentLibraryForm</New>
+</FormTemplates>
 </file>
 
 <file path=customXml/itemProps1.xml><?xml version="1.0" encoding="utf-8"?>
-<ds:datastoreItem xmlns:ds="http://schemas.openxmlformats.org/officeDocument/2006/customXml" ds:itemID="{166AD069-051C-46FD-A0CD-BDE143FEA57D}">
+<ds:datastoreItem xmlns:ds="http://schemas.openxmlformats.org/officeDocument/2006/customXml" ds:itemID="{8E1455B4-EFFE-4AEE-ADC2-FE51D16F6234}">
   <ds:schemaRefs>
-    <ds:schemaRef ds:uri="http://schemas.microsoft.com/sharepoint/v3/contenttype/forms"/>
+    <ds:schemaRef ds:uri="http://schemas.microsoft.com/office/2006/metadata/properties"/>
+    <ds:schemaRef ds:uri="http://schemas.microsoft.com/office/infopath/2007/PartnerControls"/>
   </ds:schemaRefs>
 </ds:datastoreItem>
 </file>
@@ -4259,10 +4277,9 @@
 </file>
 
 <file path=customXml/itemProps3.xml><?xml version="1.0" encoding="utf-8"?>
-<ds:datastoreItem xmlns:ds="http://schemas.openxmlformats.org/officeDocument/2006/customXml" ds:itemID="{8E1455B4-EFFE-4AEE-ADC2-FE51D16F6234}">
+<ds:datastoreItem xmlns:ds="http://schemas.openxmlformats.org/officeDocument/2006/customXml" ds:itemID="{166AD069-051C-46FD-A0CD-BDE143FEA57D}">
   <ds:schemaRefs>
-    <ds:schemaRef ds:uri="http://schemas.microsoft.com/office/2006/metadata/properties"/>
-    <ds:schemaRef ds:uri="http://schemas.microsoft.com/office/infopath/2007/PartnerControls"/>
+    <ds:schemaRef ds:uri="http://schemas.microsoft.com/sharepoint/v3/contenttype/forms"/>
   </ds:schemaRefs>
 </ds:datastoreItem>
 </file>